--- a/poster_785.pptx
+++ b/poster_785.pptx
@@ -16511,36 +16511,6 @@
           </p:txBody>
         </p:sp>
       </p:grpSp>
-      <p:pic>
-        <p:nvPicPr>
-          <p:cNvPr id="56" name="image2.jpg">
-            <a:extLst>
-              <a:ext uri="{FF2B5EF4-FFF2-40B4-BE49-F238E27FC236}">
-                <a16:creationId xmlns:a16="http://schemas.microsoft.com/office/drawing/2014/main" id="{723B2526-4671-2746-8F78-6794E069746B}"/>
-              </a:ext>
-            </a:extLst>
-          </p:cNvPr>
-          <p:cNvPicPr/>
-          <p:nvPr/>
-        </p:nvPicPr>
-        <p:blipFill>
-          <a:blip r:embed="rId6"/>
-          <a:srcRect/>
-          <a:stretch>
-            <a:fillRect/>
-          </a:stretch>
-        </p:blipFill>
-        <p:spPr>
-          <a:xfrm>
-            <a:off x="1462088" y="7485739"/>
-            <a:ext cx="4785189" cy="3588501"/>
-          </a:xfrm>
-          <a:prstGeom prst="rect">
-            <a:avLst/>
-          </a:prstGeom>
-          <a:ln/>
-        </p:spPr>
-      </p:pic>
       <p:sp>
         <p:nvSpPr>
           <p:cNvPr id="57" name="Google Shape;101;p13">
@@ -16688,7 +16658,7 @@
         </p:nvSpPr>
         <p:spPr>
           <a:xfrm>
-            <a:off x="1683252" y="11196674"/>
+            <a:off x="1699127" y="10975592"/>
             <a:ext cx="4315860" cy="461665"/>
           </a:xfrm>
           <a:prstGeom prst="rect">
@@ -17337,7 +17307,7 @@
             <p:nvPr/>
           </p:nvPicPr>
           <p:blipFill>
-            <a:blip r:embed="rId7"/>
+            <a:blip r:embed="rId6"/>
             <a:stretch>
               <a:fillRect/>
             </a:stretch>
@@ -18146,7 +18116,7 @@
           <p:nvPr/>
         </p:nvPicPr>
         <p:blipFill>
-          <a:blip r:embed="rId8"/>
+          <a:blip r:embed="rId7"/>
           <a:stretch>
             <a:fillRect/>
           </a:stretch>
@@ -19280,7 +19250,7 @@
           <p:nvPr/>
         </p:nvPicPr>
         <p:blipFill>
-          <a:blip r:embed="rId9"/>
+          <a:blip r:embed="rId8"/>
           <a:stretch>
             <a:fillRect/>
           </a:stretch>
@@ -19289,6 +19259,36 @@
           <a:xfrm>
             <a:off x="1068377" y="26139126"/>
             <a:ext cx="7197431" cy="1239558"/>
+          </a:xfrm>
+          <a:prstGeom prst="rect">
+            <a:avLst/>
+          </a:prstGeom>
+        </p:spPr>
+      </p:pic>
+      <p:pic>
+        <p:nvPicPr>
+          <p:cNvPr id="7" name="Picture 6">
+            <a:extLst>
+              <a:ext uri="{FF2B5EF4-FFF2-40B4-BE49-F238E27FC236}">
+                <a16:creationId xmlns:a16="http://schemas.microsoft.com/office/drawing/2014/main" id="{8C724692-B4E4-0944-88E6-41114FE86ABA}"/>
+              </a:ext>
+            </a:extLst>
+          </p:cNvPr>
+          <p:cNvPicPr>
+            <a:picLocks noChangeAspect="1"/>
+          </p:cNvPicPr>
+          <p:nvPr/>
+        </p:nvPicPr>
+        <p:blipFill>
+          <a:blip r:embed="rId9"/>
+          <a:stretch>
+            <a:fillRect/>
+          </a:stretch>
+        </p:blipFill>
+        <p:spPr>
+          <a:xfrm>
+            <a:off x="1683119" y="7545359"/>
+            <a:ext cx="4271543" cy="3203657"/>
           </a:xfrm>
           <a:prstGeom prst="rect">
             <a:avLst/>
